--- a/exemplos/slides.pptx
+++ b/exemplos/slides.pptx
@@ -11,6 +11,8 @@
     <p:sldId id="263" r:id="rId5"/>
     <p:sldId id="264" r:id="rId6"/>
     <p:sldId id="265" r:id="rId7"/>
+    <p:sldId id="266" r:id="rId8"/>
+    <p:sldId id="267" r:id="rId9"/>
   </p:sldIdLst>
   <p:sldSz cx="9144000" cy="6858000" type="screen4x3"/>
   <p:notesSz cx="6858000" cy="9144000"/>
@@ -300,7 +302,7 @@
           <a:p>
             <a:fld id="{AA2CA713-4BD8-48FF-B69E-D6AF2A40841D}" type="datetimeFigureOut">
               <a:rPr lang="pt-BR" smtClean="0"/>
-              <a:t>24/04/2015</a:t>
+              <a:t>25/04/2015</a:t>
             </a:fld>
             <a:endParaRPr lang="pt-BR"/>
           </a:p>
@@ -500,7 +502,7 @@
           <a:p>
             <a:fld id="{AA2CA713-4BD8-48FF-B69E-D6AF2A40841D}" type="datetimeFigureOut">
               <a:rPr lang="pt-BR" smtClean="0"/>
-              <a:t>24/04/2015</a:t>
+              <a:t>25/04/2015</a:t>
             </a:fld>
             <a:endParaRPr lang="pt-BR"/>
           </a:p>
@@ -675,7 +677,7 @@
           <a:p>
             <a:fld id="{AA2CA713-4BD8-48FF-B69E-D6AF2A40841D}" type="datetimeFigureOut">
               <a:rPr lang="pt-BR" smtClean="0"/>
-              <a:t>24/04/2015</a:t>
+              <a:t>25/04/2015</a:t>
             </a:fld>
             <a:endParaRPr lang="pt-BR"/>
           </a:p>
@@ -840,7 +842,7 @@
           <a:p>
             <a:fld id="{AA2CA713-4BD8-48FF-B69E-D6AF2A40841D}" type="datetimeFigureOut">
               <a:rPr lang="pt-BR" smtClean="0"/>
-              <a:t>24/04/2015</a:t>
+              <a:t>25/04/2015</a:t>
             </a:fld>
             <a:endParaRPr lang="pt-BR"/>
           </a:p>
@@ -1088,7 +1090,7 @@
           <a:p>
             <a:fld id="{AA2CA713-4BD8-48FF-B69E-D6AF2A40841D}" type="datetimeFigureOut">
               <a:rPr lang="pt-BR" smtClean="0"/>
-              <a:t>24/04/2015</a:t>
+              <a:t>25/04/2015</a:t>
             </a:fld>
             <a:endParaRPr lang="pt-BR"/>
           </a:p>
@@ -1406,7 +1408,7 @@
           <a:p>
             <a:fld id="{AA2CA713-4BD8-48FF-B69E-D6AF2A40841D}" type="datetimeFigureOut">
               <a:rPr lang="pt-BR" smtClean="0"/>
-              <a:t>24/04/2015</a:t>
+              <a:t>25/04/2015</a:t>
             </a:fld>
             <a:endParaRPr lang="pt-BR"/>
           </a:p>
@@ -1872,7 +1874,7 @@
           <a:p>
             <a:fld id="{AA2CA713-4BD8-48FF-B69E-D6AF2A40841D}" type="datetimeFigureOut">
               <a:rPr lang="pt-BR" smtClean="0"/>
-              <a:t>24/04/2015</a:t>
+              <a:t>25/04/2015</a:t>
             </a:fld>
             <a:endParaRPr lang="pt-BR"/>
           </a:p>
@@ -2020,7 +2022,7 @@
           <a:p>
             <a:fld id="{AA2CA713-4BD8-48FF-B69E-D6AF2A40841D}" type="datetimeFigureOut">
               <a:rPr lang="pt-BR" smtClean="0"/>
-              <a:t>24/04/2015</a:t>
+              <a:t>25/04/2015</a:t>
             </a:fld>
             <a:endParaRPr lang="pt-BR"/>
           </a:p>
@@ -2110,7 +2112,7 @@
           <a:p>
             <a:fld id="{AA2CA713-4BD8-48FF-B69E-D6AF2A40841D}" type="datetimeFigureOut">
               <a:rPr lang="pt-BR" smtClean="0"/>
-              <a:t>24/04/2015</a:t>
+              <a:t>25/04/2015</a:t>
             </a:fld>
             <a:endParaRPr lang="pt-BR"/>
           </a:p>
@@ -2384,7 +2386,7 @@
           <a:p>
             <a:fld id="{AA2CA713-4BD8-48FF-B69E-D6AF2A40841D}" type="datetimeFigureOut">
               <a:rPr lang="pt-BR" smtClean="0"/>
-              <a:t>24/04/2015</a:t>
+              <a:t>25/04/2015</a:t>
             </a:fld>
             <a:endParaRPr lang="pt-BR"/>
           </a:p>
@@ -2689,7 +2691,7 @@
           <a:p>
             <a:fld id="{AA2CA713-4BD8-48FF-B69E-D6AF2A40841D}" type="datetimeFigureOut">
               <a:rPr lang="pt-BR" smtClean="0"/>
-              <a:t>24/04/2015</a:t>
+              <a:t>25/04/2015</a:t>
             </a:fld>
             <a:endParaRPr lang="pt-BR"/>
           </a:p>
@@ -2987,7 +2989,7 @@
           <a:p>
             <a:fld id="{AA2CA713-4BD8-48FF-B69E-D6AF2A40841D}" type="datetimeFigureOut">
               <a:rPr lang="pt-BR" smtClean="0"/>
-              <a:t>24/04/2015</a:t>
+              <a:t>25/04/2015</a:t>
             </a:fld>
             <a:endParaRPr lang="pt-BR"/>
           </a:p>
@@ -3454,15 +3456,7 @@
                   <a:schemeClr val="bg1"/>
                 </a:solidFill>
               </a:rPr>
-              <a:t>Tulio </a:t>
-            </a:r>
-            <a:r>
-              <a:rPr lang="pt-BR" sz="2000" dirty="0" smtClean="0">
-                <a:solidFill>
-                  <a:schemeClr val="bg1"/>
-                </a:solidFill>
-              </a:rPr>
-              <a:t>Faria</a:t>
+              <a:t>Tulio Faria</a:t>
             </a:r>
           </a:p>
           <a:p>
@@ -3654,11 +3648,7 @@
           <a:p>
             <a:r>
               <a:rPr lang="pt-BR" dirty="0" smtClean="0"/>
-              <a:t>Linguagem </a:t>
-            </a:r>
-            <a:r>
-              <a:rPr lang="pt-BR" dirty="0" smtClean="0"/>
-              <a:t>interpretada;</a:t>
+              <a:t>Linguagem interpretada;</a:t>
             </a:r>
           </a:p>
           <a:p>
@@ -3786,13 +3776,8 @@
           <a:p>
             <a:r>
               <a:rPr lang="pt-BR" dirty="0" smtClean="0"/>
-              <a:t>node </a:t>
-            </a:r>
-            <a:r>
-              <a:rPr lang="pt-BR" dirty="0" smtClean="0"/>
-              <a:t>script.js</a:t>
-            </a:r>
-            <a:endParaRPr lang="pt-BR" dirty="0" smtClean="0"/>
+              <a:t>node script.js</a:t>
+            </a:r>
           </a:p>
           <a:p>
             <a:endParaRPr lang="pt-BR" dirty="0"/>
@@ -3812,6 +3797,13 @@
   <p:clrMapOvr>
     <a:masterClrMapping/>
   </p:clrMapOvr>
+  <p:timing>
+    <p:tnLst>
+      <p:par>
+        <p:cTn id="1" dur="indefinite" restart="never" nodeType="tmRoot"/>
+      </p:par>
+    </p:tnLst>
+  </p:timing>
 </p:sld>
 </file>
 
@@ -4021,6 +4013,13 @@
   <p:clrMapOvr>
     <a:masterClrMapping/>
   </p:clrMapOvr>
+  <p:timing>
+    <p:tnLst>
+      <p:par>
+        <p:cTn id="1" dur="indefinite" restart="never" nodeType="tmRoot"/>
+      </p:par>
+    </p:tnLst>
+  </p:timing>
 </p:sld>
 </file>
 
@@ -4237,6 +4236,13 @@
   <p:clrMapOvr>
     <a:masterClrMapping/>
   </p:clrMapOvr>
+  <p:timing>
+    <p:tnLst>
+      <p:par>
+        <p:cTn id="1" dur="indefinite" restart="never" nodeType="tmRoot"/>
+      </p:par>
+    </p:tnLst>
+  </p:timing>
 </p:sld>
 </file>
 
@@ -4467,6 +4473,239 @@
   <p:clrMapOvr>
     <a:masterClrMapping/>
   </p:clrMapOvr>
+  <p:timing>
+    <p:tnLst>
+      <p:par>
+        <p:cTn id="1" dur="indefinite" restart="never" nodeType="tmRoot"/>
+      </p:par>
+    </p:tnLst>
+  </p:timing>
+</p:sld>
+</file>
+
+<file path=ppt/slides/slide7.xml><?xml version="1.0" encoding="utf-8"?>
+<p:sld xmlns:a="http://schemas.openxmlformats.org/drawingml/2006/main" xmlns:r="http://schemas.openxmlformats.org/officeDocument/2006/relationships" xmlns:p="http://schemas.openxmlformats.org/presentationml/2006/main">
+  <p:cSld>
+    <p:spTree>
+      <p:nvGrpSpPr>
+        <p:cNvPr id="1" name=""/>
+        <p:cNvGrpSpPr/>
+        <p:nvPr/>
+      </p:nvGrpSpPr>
+      <p:grpSpPr>
+        <a:xfrm>
+          <a:off x="0" y="0"/>
+          <a:ext cx="0" cy="0"/>
+          <a:chOff x="0" y="0"/>
+          <a:chExt cx="0" cy="0"/>
+        </a:xfrm>
+      </p:grpSpPr>
+      <p:sp>
+        <p:nvSpPr>
+          <p:cNvPr id="2" name="Título 1"/>
+          <p:cNvSpPr>
+            <a:spLocks noGrp="1"/>
+          </p:cNvSpPr>
+          <p:nvPr>
+            <p:ph type="title"/>
+          </p:nvPr>
+        </p:nvSpPr>
+        <p:spPr/>
+        <p:txBody>
+          <a:bodyPr/>
+          <a:lstStyle/>
+          <a:p>
+            <a:r>
+              <a:rPr lang="pt-BR" dirty="0" err="1" smtClean="0"/>
+              <a:t>Wait</a:t>
+            </a:r>
+            <a:r>
+              <a:rPr lang="pt-BR" dirty="0" smtClean="0"/>
+              <a:t> for it</a:t>
+            </a:r>
+            <a:endParaRPr lang="pt-BR" dirty="0"/>
+          </a:p>
+        </p:txBody>
+      </p:sp>
+    </p:spTree>
+    <p:extLst>
+      <p:ext uri="{BB962C8B-B14F-4D97-AF65-F5344CB8AC3E}">
+        <p14:creationId xmlns:p14="http://schemas.microsoft.com/office/powerpoint/2010/main" val="3169918364"/>
+      </p:ext>
+    </p:extLst>
+  </p:cSld>
+  <p:clrMapOvr>
+    <a:masterClrMapping/>
+  </p:clrMapOvr>
+  <p:timing>
+    <p:tnLst>
+      <p:par>
+        <p:cTn id="1" dur="indefinite" restart="never" nodeType="tmRoot"/>
+      </p:par>
+    </p:tnLst>
+  </p:timing>
+</p:sld>
+</file>
+
+<file path=ppt/slides/slide8.xml><?xml version="1.0" encoding="utf-8"?>
+<p:sld xmlns:a="http://schemas.openxmlformats.org/drawingml/2006/main" xmlns:r="http://schemas.openxmlformats.org/officeDocument/2006/relationships" xmlns:p="http://schemas.openxmlformats.org/presentationml/2006/main">
+  <p:cSld>
+    <p:spTree>
+      <p:nvGrpSpPr>
+        <p:cNvPr id="1" name=""/>
+        <p:cNvGrpSpPr/>
+        <p:nvPr/>
+      </p:nvGrpSpPr>
+      <p:grpSpPr>
+        <a:xfrm>
+          <a:off x="0" y="0"/>
+          <a:ext cx="0" cy="0"/>
+          <a:chOff x="0" y="0"/>
+          <a:chExt cx="0" cy="0"/>
+        </a:xfrm>
+      </p:grpSpPr>
+      <p:pic>
+        <p:nvPicPr>
+          <p:cNvPr id="1026" name="Picture 2" descr="C:\Arquivos\projetos\bize\land-devpleno\assets\img\header.jpg"/>
+          <p:cNvPicPr>
+            <a:picLocks noChangeAspect="1" noChangeArrowheads="1"/>
+          </p:cNvPicPr>
+          <p:nvPr/>
+        </p:nvPicPr>
+        <p:blipFill>
+          <a:blip r:embed="rId2">
+            <a:extLst>
+              <a:ext uri="{28A0092B-C50C-407E-A947-70E740481C1C}">
+                <a14:useLocalDpi xmlns:a14="http://schemas.microsoft.com/office/drawing/2010/main" val="0"/>
+              </a:ext>
+            </a:extLst>
+          </a:blip>
+          <a:srcRect/>
+          <a:stretch>
+            <a:fillRect/>
+          </a:stretch>
+        </p:blipFill>
+        <p:spPr bwMode="auto">
+          <a:xfrm>
+            <a:off x="-540568" y="15310"/>
+            <a:ext cx="10682795" cy="6842689"/>
+          </a:xfrm>
+          <a:prstGeom prst="rect">
+            <a:avLst/>
+          </a:prstGeom>
+          <a:noFill/>
+          <a:extLst>
+            <a:ext uri="{909E8E84-426E-40DD-AFC4-6F175D3DCCD1}">
+              <a14:hiddenFill xmlns:a14="http://schemas.microsoft.com/office/drawing/2010/main">
+                <a:solidFill>
+                  <a:srgbClr val="FFFFFF"/>
+                </a:solidFill>
+              </a14:hiddenFill>
+            </a:ext>
+          </a:extLst>
+        </p:spPr>
+      </p:pic>
+      <p:sp>
+        <p:nvSpPr>
+          <p:cNvPr id="3" name="Espaço Reservado para Conteúdo 2"/>
+          <p:cNvSpPr>
+            <a:spLocks noGrp="1"/>
+          </p:cNvSpPr>
+          <p:nvPr>
+            <p:ph idx="1"/>
+          </p:nvPr>
+        </p:nvSpPr>
+        <p:spPr>
+          <a:xfrm>
+            <a:off x="457200" y="3933056"/>
+            <a:ext cx="8229600" cy="820688"/>
+          </a:xfrm>
+        </p:spPr>
+        <p:txBody>
+          <a:bodyPr>
+            <a:normAutofit/>
+          </a:bodyPr>
+          <a:lstStyle/>
+          <a:p>
+            <a:pPr algn="ctr"/>
+            <a:r>
+              <a:rPr lang="pt-BR" sz="4400" b="1" dirty="0" smtClean="0">
+                <a:solidFill>
+                  <a:schemeClr val="bg1"/>
+                </a:solidFill>
+                <a:latin typeface="Consolas" pitchFamily="49" charset="0"/>
+                <a:cs typeface="Consolas" pitchFamily="49" charset="0"/>
+              </a:rPr>
+              <a:t>www.devpleno.com</a:t>
+            </a:r>
+            <a:endParaRPr lang="pt-BR" sz="4400" b="1" dirty="0">
+              <a:solidFill>
+                <a:schemeClr val="bg1"/>
+              </a:solidFill>
+              <a:latin typeface="Consolas" pitchFamily="49" charset="0"/>
+              <a:cs typeface="Consolas" pitchFamily="49" charset="0"/>
+            </a:endParaRPr>
+          </a:p>
+        </p:txBody>
+      </p:sp>
+      <p:pic>
+        <p:nvPicPr>
+          <p:cNvPr id="1027" name="Picture 3" descr="C:\Arquivos\projetos\bize\land-devpleno\assets\logo_grande.png"/>
+          <p:cNvPicPr>
+            <a:picLocks noChangeAspect="1" noChangeArrowheads="1"/>
+          </p:cNvPicPr>
+          <p:nvPr/>
+        </p:nvPicPr>
+        <p:blipFill>
+          <a:blip r:embed="rId3">
+            <a:extLst>
+              <a:ext uri="{28A0092B-C50C-407E-A947-70E740481C1C}">
+                <a14:useLocalDpi xmlns:a14="http://schemas.microsoft.com/office/drawing/2010/main" val="0"/>
+              </a:ext>
+            </a:extLst>
+          </a:blip>
+          <a:srcRect/>
+          <a:stretch>
+            <a:fillRect/>
+          </a:stretch>
+        </p:blipFill>
+        <p:spPr bwMode="auto">
+          <a:xfrm>
+            <a:off x="1625035" y="2276872"/>
+            <a:ext cx="6351587" cy="1460500"/>
+          </a:xfrm>
+          <a:prstGeom prst="rect">
+            <a:avLst/>
+          </a:prstGeom>
+          <a:noFill/>
+          <a:extLst>
+            <a:ext uri="{909E8E84-426E-40DD-AFC4-6F175D3DCCD1}">
+              <a14:hiddenFill xmlns:a14="http://schemas.microsoft.com/office/drawing/2010/main">
+                <a:solidFill>
+                  <a:srgbClr val="FFFFFF"/>
+                </a:solidFill>
+              </a14:hiddenFill>
+            </a:ext>
+          </a:extLst>
+        </p:spPr>
+      </p:pic>
+    </p:spTree>
+    <p:extLst>
+      <p:ext uri="{BB962C8B-B14F-4D97-AF65-F5344CB8AC3E}">
+        <p14:creationId xmlns:p14="http://schemas.microsoft.com/office/powerpoint/2010/main" val="524832435"/>
+      </p:ext>
+    </p:extLst>
+  </p:cSld>
+  <p:clrMapOvr>
+    <a:masterClrMapping/>
+  </p:clrMapOvr>
+  <p:timing>
+    <p:tnLst>
+      <p:par>
+        <p:cTn id="1" dur="indefinite" restart="never" nodeType="tmRoot"/>
+      </p:par>
+    </p:tnLst>
+  </p:timing>
 </p:sld>
 </file>
 
